--- a/hack-14/AH_H14.pptx
+++ b/hack-14/AH_H14.pptx
@@ -12,7 +12,8 @@
     <p:sldId id="262" r:id="rId6"/>
     <p:sldId id="263" r:id="rId7"/>
     <p:sldId id="264" r:id="rId8"/>
-    <p:sldId id="261" r:id="rId9"/>
+    <p:sldId id="265" r:id="rId9"/>
+    <p:sldId id="261" r:id="rId10"/>
   </p:sldIdLst>
   <p:sldSz cx="9144000" cy="6858000" type="screen4x3"/>
   <p:notesSz cx="6858000" cy="9144000"/>
@@ -3083,19 +3084,15 @@
           <a:p>
             <a:r>
               <a:rPr lang="en-US" dirty="0" smtClean="0"/>
-              <a:t>Data </a:t>
+              <a:t>Data extraction and annotation from </a:t>
+            </a:r>
+            <a:r>
+              <a:rPr lang="en-US" dirty="0" err="1" smtClean="0"/>
+              <a:t>pdf</a:t>
             </a:r>
             <a:r>
               <a:rPr lang="en-US" dirty="0" smtClean="0"/>
-              <a:t>extraction </a:t>
-            </a:r>
-            <a:r>
-              <a:rPr lang="en-US" smtClean="0"/>
-              <a:t>and annotation </a:t>
-            </a:r>
-            <a:r>
-              <a:rPr lang="en-US" dirty="0" smtClean="0"/>
-              <a:t>from structured documents</a:t>
+              <a:t> files</a:t>
             </a:r>
             <a:endParaRPr lang="el-GR" dirty="0"/>
           </a:p>
@@ -3557,7 +3554,7 @@
       </p:sp>
       <p:pic>
         <p:nvPicPr>
-          <p:cNvPr id="4" name="Picture 3"/>
+          <p:cNvPr id="6" name="Picture 2"/>
           <p:cNvPicPr>
             <a:picLocks noGrp="1" noChangeAspect="1" noChangeArrowheads="1"/>
           </p:cNvPicPr>
@@ -3574,8 +3571,8 @@
         </p:blipFill>
         <p:spPr bwMode="auto">
           <a:xfrm>
-            <a:off x="457200" y="1767437"/>
-            <a:ext cx="8229600" cy="4191489"/>
+            <a:off x="457200" y="1790735"/>
+            <a:ext cx="8229600" cy="4144892"/>
           </a:xfrm>
           <a:prstGeom prst="rect">
             <a:avLst/>
@@ -3632,7 +3629,19 @@
           <a:p>
             <a:r>
               <a:rPr lang="en-US" dirty="0" smtClean="0"/>
-              <a:t>Mappings – AO with OA</a:t>
+              <a:t>Mappings – </a:t>
+            </a:r>
+            <a:r>
+              <a:rPr lang="en-US" dirty="0" err="1" smtClean="0"/>
+              <a:t>AgroPortal</a:t>
+            </a:r>
+            <a:r>
+              <a:rPr lang="en-US" dirty="0" smtClean="0"/>
+              <a:t> </a:t>
+            </a:r>
+            <a:r>
+              <a:rPr lang="en-US" dirty="0" smtClean="0"/>
+              <a:t>with OA</a:t>
             </a:r>
             <a:endParaRPr lang="el-GR" dirty="0"/>
           </a:p>
@@ -3640,7 +3649,7 @@
       </p:sp>
       <p:pic>
         <p:nvPicPr>
-          <p:cNvPr id="4" name="Picture 2"/>
+          <p:cNvPr id="6" name="Picture 2"/>
           <p:cNvPicPr>
             <a:picLocks noGrp="1" noChangeAspect="1" noChangeArrowheads="1"/>
           </p:cNvPicPr>
@@ -3657,8 +3666,8 @@
         </p:blipFill>
         <p:spPr bwMode="auto">
           <a:xfrm>
-            <a:off x="457200" y="1779307"/>
-            <a:ext cx="8229600" cy="4167749"/>
+            <a:off x="457200" y="2258123"/>
+            <a:ext cx="8229600" cy="3210116"/>
           </a:xfrm>
           <a:prstGeom prst="rect">
             <a:avLst/>
@@ -3721,15 +3730,32 @@
           </a:p>
         </p:txBody>
       </p:sp>
+      <p:sp>
+        <p:nvSpPr>
+          <p:cNvPr id="5" name="4 - Θέση περιεχομένου"/>
+          <p:cNvSpPr>
+            <a:spLocks noGrp="1"/>
+          </p:cNvSpPr>
+          <p:nvPr>
+            <p:ph idx="1"/>
+          </p:nvPr>
+        </p:nvSpPr>
+        <p:spPr/>
+        <p:txBody>
+          <a:bodyPr/>
+          <a:lstStyle/>
+          <a:p>
+            <a:endParaRPr lang="el-GR"/>
+          </a:p>
+        </p:txBody>
+      </p:sp>
       <p:pic>
         <p:nvPicPr>
-          <p:cNvPr id="4" name="Picture 2"/>
+          <p:cNvPr id="6" name="Picture 2"/>
           <p:cNvPicPr>
-            <a:picLocks noGrp="1" noChangeAspect="1" noChangeArrowheads="1"/>
+            <a:picLocks noChangeAspect="1" noChangeArrowheads="1"/>
           </p:cNvPicPr>
-          <p:nvPr>
-            <p:ph idx="1"/>
-          </p:nvPr>
+          <p:nvPr/>
         </p:nvPicPr>
         <p:blipFill>
           <a:blip r:embed="rId2" cstate="print"/>
@@ -3740,8 +3766,8 @@
         </p:blipFill>
         <p:spPr bwMode="auto">
           <a:xfrm>
-            <a:off x="457200" y="1734635"/>
-            <a:ext cx="8229600" cy="4257093"/>
+            <a:off x="130850" y="1412776"/>
+            <a:ext cx="9013150" cy="4373910"/>
           </a:xfrm>
           <a:prstGeom prst="rect">
             <a:avLst/>
@@ -3765,6 +3791,91 @@
 </file>
 
 <file path=ppt/slides/slide8.xml><?xml version="1.0" encoding="utf-8"?>
+<p:sld xmlns:a="http://schemas.openxmlformats.org/drawingml/2006/main" xmlns:r="http://schemas.openxmlformats.org/officeDocument/2006/relationships" xmlns:p="http://schemas.openxmlformats.org/presentationml/2006/main">
+  <p:cSld>
+    <p:spTree>
+      <p:nvGrpSpPr>
+        <p:cNvPr id="1" name=""/>
+        <p:cNvGrpSpPr/>
+        <p:nvPr/>
+      </p:nvGrpSpPr>
+      <p:grpSpPr>
+        <a:xfrm>
+          <a:off x="0" y="0"/>
+          <a:ext cx="0" cy="0"/>
+          <a:chOff x="0" y="0"/>
+          <a:chExt cx="0" cy="0"/>
+        </a:xfrm>
+      </p:grpSpPr>
+      <p:sp>
+        <p:nvSpPr>
+          <p:cNvPr id="2" name="1 - Τίτλος"/>
+          <p:cNvSpPr>
+            <a:spLocks noGrp="1"/>
+          </p:cNvSpPr>
+          <p:nvPr>
+            <p:ph type="title"/>
+          </p:nvPr>
+        </p:nvSpPr>
+        <p:spPr/>
+        <p:txBody>
+          <a:bodyPr>
+            <a:normAutofit fontScale="90000"/>
+          </a:bodyPr>
+          <a:lstStyle/>
+          <a:p>
+            <a:r>
+              <a:rPr lang="en-US" dirty="0" smtClean="0"/>
+              <a:t>Proposed Evolution of OA based on FREME</a:t>
+            </a:r>
+            <a:endParaRPr lang="el-GR" dirty="0"/>
+          </a:p>
+        </p:txBody>
+      </p:sp>
+      <p:pic>
+        <p:nvPicPr>
+          <p:cNvPr id="4" name="Picture 2"/>
+          <p:cNvPicPr>
+            <a:picLocks noGrp="1" noChangeAspect="1" noChangeArrowheads="1"/>
+          </p:cNvPicPr>
+          <p:nvPr>
+            <p:ph idx="1"/>
+          </p:nvPr>
+        </p:nvPicPr>
+        <p:blipFill>
+          <a:blip r:embed="rId2" cstate="print"/>
+          <a:srcRect/>
+          <a:stretch>
+            <a:fillRect/>
+          </a:stretch>
+        </p:blipFill>
+        <p:spPr bwMode="auto">
+          <a:xfrm>
+            <a:off x="457200" y="1723231"/>
+            <a:ext cx="8229600" cy="4279901"/>
+          </a:xfrm>
+          <a:prstGeom prst="rect">
+            <a:avLst/>
+          </a:prstGeom>
+          <a:noFill/>
+          <a:ln w="9525">
+            <a:noFill/>
+            <a:miter lim="800000"/>
+            <a:headEnd/>
+            <a:tailEnd/>
+          </a:ln>
+          <a:effectLst/>
+        </p:spPr>
+      </p:pic>
+    </p:spTree>
+  </p:cSld>
+  <p:clrMapOvr>
+    <a:masterClrMapping/>
+  </p:clrMapOvr>
+</p:sld>
+</file>
+
+<file path=ppt/slides/slide9.xml><?xml version="1.0" encoding="utf-8"?>
 <p:sld xmlns:a="http://schemas.openxmlformats.org/drawingml/2006/main" xmlns:r="http://schemas.openxmlformats.org/officeDocument/2006/relationships" xmlns:p="http://schemas.openxmlformats.org/presentationml/2006/main">
   <p:cSld>
     <p:spTree>
